--- a/WorkIt.pptx
+++ b/WorkIt.pptx
@@ -112,6 +112,11 @@
       </a:defRPr>
     </a:lvl9pPr>
   </p:defaultTextStyle>
+  <p:extLst>
+    <p:ext uri="{EFAFB233-063F-42B5-8137-9DF3F51BA10A}">
+      <p15:sldGuideLst xmlns:p15="http://schemas.microsoft.com/office/powerpoint/2012/main"/>
+    </p:ext>
+  </p:extLst>
 </p:presentation>
 </file>
 
@@ -278,7 +283,7 @@
           <a:effectLst/>
           <a:extLst>
             <a:ext uri="{91240B29-F687-4f45-9708-019B960494DF}">
-              <a14:hiddenLine xmlns:a14="http://schemas.microsoft.com/office/drawing/2010/main" xmlns="" w="9525">
+              <a14:hiddenLine xmlns="" xmlns:a14="http://schemas.microsoft.com/office/drawing/2010/main" w="9525">
                 <a:solidFill>
                   <a:srgbClr val="000000"/>
                 </a:solidFill>
@@ -471,7 +476,7 @@
             <a:fld id="{08B9EBBA-996F-894A-B54A-D6246ED52CEA}" type="datetimeFigureOut">
               <a:rPr lang="en-US" dirty="0"/>
               <a:pPr/>
-              <a:t>7/11/2022</a:t>
+              <a:t>7/12/2022</a:t>
             </a:fld>
             <a:endParaRPr lang="en-US" dirty="0"/>
           </a:p>
@@ -786,7 +791,7 @@
             <a:fld id="{18C79C5D-2A6F-F04D-97DA-BEF2467B64E4}" type="datetimeFigureOut">
               <a:rPr lang="en-US" dirty="0"/>
               <a:pPr/>
-              <a:t>7/11/2022</a:t>
+              <a:t>7/12/2022</a:t>
             </a:fld>
             <a:endParaRPr lang="en-US" dirty="0"/>
           </a:p>
@@ -1271,7 +1276,7 @@
             <a:fld id="{8DFA1846-DA80-1C48-A609-854EA85C59AD}" type="datetimeFigureOut">
               <a:rPr lang="en-US" dirty="0"/>
               <a:pPr/>
-              <a:t>7/11/2022</a:t>
+              <a:t>7/12/2022</a:t>
             </a:fld>
             <a:endParaRPr lang="en-US" dirty="0"/>
           </a:p>
@@ -1637,7 +1642,7 @@
             <a:fld id="{FBF54567-0DE4-3F47-BF90-CB84690072F9}" type="datetimeFigureOut">
               <a:rPr lang="en-US" dirty="0"/>
               <a:pPr/>
-              <a:t>7/11/2022</a:t>
+              <a:t>7/12/2022</a:t>
             </a:fld>
             <a:endParaRPr lang="en-US" dirty="0"/>
           </a:p>
@@ -1788,7 +1793,7 @@
           <a:ln/>
           <a:extLst>
             <a:ext uri="{91240B29-F687-4f45-9708-019B960494DF}">
-              <a14:hiddenLine xmlns:a14="http://schemas.microsoft.com/office/drawing/2010/main" xmlns="" w="9525">
+              <a14:hiddenLine xmlns="" xmlns:a14="http://schemas.microsoft.com/office/drawing/2010/main" w="9525">
                 <a:solidFill>
                   <a:srgbClr val="000000"/>
                 </a:solidFill>
@@ -1907,7 +1912,7 @@
             <a:fld id="{C6C52C72-DE31-F449-A4ED-4C594FD91407}" type="datetimeFigureOut">
               <a:rPr lang="en-US" dirty="0"/>
               <a:pPr/>
-              <a:t>7/11/2022</a:t>
+              <a:t>7/12/2022</a:t>
             </a:fld>
             <a:endParaRPr lang="en-US" dirty="0"/>
           </a:p>
@@ -2060,7 +2065,7 @@
           <a:ln/>
           <a:extLst>
             <a:ext uri="{91240B29-F687-4f45-9708-019B960494DF}">
-              <a14:hiddenLine xmlns:a14="http://schemas.microsoft.com/office/drawing/2010/main" xmlns="" w="9525">
+              <a14:hiddenLine xmlns="" xmlns:a14="http://schemas.microsoft.com/office/drawing/2010/main" w="9525">
                 <a:solidFill>
                   <a:srgbClr val="000000"/>
                 </a:solidFill>
@@ -2189,7 +2194,7 @@
             <a:fld id="{ED62726E-379B-B349-9EED-81ED093FA806}" type="datetimeFigureOut">
               <a:rPr lang="en-US" dirty="0"/>
               <a:pPr/>
-              <a:t>7/11/2022</a:t>
+              <a:t>7/12/2022</a:t>
             </a:fld>
             <a:endParaRPr lang="en-US" dirty="0"/>
           </a:p>
@@ -2340,7 +2345,7 @@
           <a:ln/>
           <a:extLst>
             <a:ext uri="{91240B29-F687-4f45-9708-019B960494DF}">
-              <a14:hiddenLine xmlns:a14="http://schemas.microsoft.com/office/drawing/2010/main" xmlns="" w="9525">
+              <a14:hiddenLine xmlns="" xmlns:a14="http://schemas.microsoft.com/office/drawing/2010/main" w="9525">
                 <a:solidFill>
                   <a:srgbClr val="000000"/>
                 </a:solidFill>
@@ -2469,7 +2474,7 @@
             <a:fld id="{9B3A1323-8D79-1946-B0D7-40001CF92E9D}" type="datetimeFigureOut">
               <a:rPr lang="en-US" dirty="0"/>
               <a:pPr/>
-              <a:t>7/11/2022</a:t>
+              <a:t>7/12/2022</a:t>
             </a:fld>
             <a:endParaRPr lang="en-US" dirty="0"/>
           </a:p>
@@ -2809,7 +2814,7 @@
             <a:fld id="{8DFA1846-DA80-1C48-A609-854EA85C59AD}" type="datetimeFigureOut">
               <a:rPr lang="en-US" dirty="0"/>
               <a:pPr/>
-              <a:t>7/11/2022</a:t>
+              <a:t>7/12/2022</a:t>
             </a:fld>
             <a:endParaRPr lang="en-US" dirty="0"/>
           </a:p>
@@ -2960,7 +2965,7 @@
           <a:ln/>
           <a:extLst>
             <a:ext uri="{91240B29-F687-4f45-9708-019B960494DF}">
-              <a14:hiddenLine xmlns:a14="http://schemas.microsoft.com/office/drawing/2010/main" xmlns="" w="9525">
+              <a14:hiddenLine xmlns="" xmlns:a14="http://schemas.microsoft.com/office/drawing/2010/main" w="9525">
                 <a:solidFill>
                   <a:srgbClr val="000000"/>
                 </a:solidFill>
@@ -3145,7 +3150,7 @@
             <a:fld id="{57302355-E14B-8545-A8F8-0FE83CC9D524}" type="datetimeFigureOut">
               <a:rPr lang="en-US" dirty="0"/>
               <a:pPr/>
-              <a:t>7/11/2022</a:t>
+              <a:t>7/12/2022</a:t>
             </a:fld>
             <a:endParaRPr lang="en-US" dirty="0"/>
           </a:p>
@@ -3296,7 +3301,7 @@
           <a:ln/>
           <a:extLst>
             <a:ext uri="{91240B29-F687-4f45-9708-019B960494DF}">
-              <a14:hiddenLine xmlns:a14="http://schemas.microsoft.com/office/drawing/2010/main" xmlns="" w="9525">
+              <a14:hiddenLine xmlns="" xmlns:a14="http://schemas.microsoft.com/office/drawing/2010/main" w="9525">
                 <a:solidFill>
                   <a:srgbClr val="000000"/>
                 </a:solidFill>
@@ -3619,7 +3624,7 @@
             <a:fld id="{02640F58-564D-2B4F-AE67-E407BA4FCF45}" type="datetimeFigureOut">
               <a:rPr lang="en-US" dirty="0"/>
               <a:pPr/>
-              <a:t>7/11/2022</a:t>
+              <a:t>7/12/2022</a:t>
             </a:fld>
             <a:endParaRPr lang="en-US" dirty="0"/>
           </a:p>
@@ -3770,7 +3775,7 @@
           <a:ln/>
           <a:extLst>
             <a:ext uri="{91240B29-F687-4f45-9708-019B960494DF}">
-              <a14:hiddenLine xmlns:a14="http://schemas.microsoft.com/office/drawing/2010/main" xmlns="" w="9525">
+              <a14:hiddenLine xmlns="" xmlns:a14="http://schemas.microsoft.com/office/drawing/2010/main" w="9525">
                 <a:solidFill>
                   <a:srgbClr val="000000"/>
                 </a:solidFill>
@@ -3837,7 +3842,7 @@
             <a:fld id="{F13A34C8-038E-2045-AF43-DF7DBB8E0E9E}" type="datetimeFigureOut">
               <a:rPr lang="en-US" dirty="0"/>
               <a:pPr/>
-              <a:t>7/11/2022</a:t>
+              <a:t>7/12/2022</a:t>
             </a:fld>
             <a:endParaRPr lang="en-US" dirty="0"/>
           </a:p>
@@ -3929,7 +3934,7 @@
             <a:fld id="{8818C68F-D26B-8F47-958C-23B49CF8A634}" type="datetimeFigureOut">
               <a:rPr lang="en-US" dirty="0"/>
               <a:pPr/>
-              <a:t>7/11/2022</a:t>
+              <a:t>7/12/2022</a:t>
             </a:fld>
             <a:endParaRPr lang="en-US" dirty="0"/>
           </a:p>
@@ -4193,7 +4198,7 @@
           <a:ln/>
           <a:extLst>
             <a:ext uri="{91240B29-F687-4f45-9708-019B960494DF}">
-              <a14:hiddenLine xmlns:a14="http://schemas.microsoft.com/office/drawing/2010/main" xmlns="" w="9525">
+              <a14:hiddenLine xmlns="" xmlns:a14="http://schemas.microsoft.com/office/drawing/2010/main" w="9525">
                 <a:solidFill>
                   <a:srgbClr val="000000"/>
                 </a:solidFill>
@@ -4393,7 +4398,7 @@
             <a:fld id="{D0DF5E60-9974-AC48-9591-99C2BB44B7CF}" type="datetimeFigureOut">
               <a:rPr lang="en-US" dirty="0"/>
               <a:pPr/>
-              <a:t>7/11/2022</a:t>
+              <a:t>7/12/2022</a:t>
             </a:fld>
             <a:endParaRPr lang="en-US" dirty="0"/>
           </a:p>
@@ -4703,7 +4708,7 @@
             <a:fld id="{18C79C5D-2A6F-F04D-97DA-BEF2467B64E4}" type="datetimeFigureOut">
               <a:rPr lang="en-US" dirty="0"/>
               <a:pPr/>
-              <a:t>7/11/2022</a:t>
+              <a:t>7/12/2022</a:t>
             </a:fld>
             <a:endParaRPr lang="en-US" dirty="0"/>
           </a:p>
@@ -4970,7 +4975,7 @@
             <a:fld id="{09B482E8-6E0E-1B4F-B1FD-C69DB9E858D9}" type="datetimeFigureOut">
               <a:rPr lang="en-US" dirty="0"/>
               <a:pPr/>
-              <a:t>7/11/2022</a:t>
+              <a:t>7/12/2022</a:t>
             </a:fld>
             <a:endParaRPr lang="en-US" dirty="0"/>
           </a:p>
@@ -5791,6 +5796,33 @@
               <a:rPr lang="bg-BG" dirty="0"/>
               <a:t> – база данни</a:t>
             </a:r>
+            <a:endParaRPr lang="en-US" dirty="0"/>
+          </a:p>
+          <a:p>
+            <a:endParaRPr lang="en-US" dirty="0"/>
+          </a:p>
+          <a:p>
+            <a:r>
+              <a:rPr lang="en-US" dirty="0"/>
+              <a:t>MVP</a:t>
+            </a:r>
+            <a:r>
+              <a:rPr lang="bg-BG" dirty="0"/>
+              <a:t> – </a:t>
+            </a:r>
+            <a:r>
+              <a:rPr lang="en-US" dirty="0"/>
+              <a:t>Model-View-Presenter</a:t>
+            </a:r>
+            <a:r>
+              <a:rPr lang="bg-BG" dirty="0"/>
+              <a:t> архитектура на </a:t>
+            </a:r>
+            <a:r>
+              <a:rPr lang="bg-BG"/>
+              <a:t>мобилното приложение</a:t>
+            </a:r>
+            <a:endParaRPr lang="bg-BG" dirty="0"/>
           </a:p>
           <a:p>
             <a:pPr marL="0" indent="0">
